--- a/Design/Organization Personnel Managing.pptx
+++ b/Design/Organization Personnel Managing.pptx
@@ -9,16 +9,14 @@
     <p:sldMasterId id="2147483700" r:id="rId5"/>
   </p:sldMasterIdLst>
   <p:notesMasterIdLst>
-    <p:notesMasterId r:id="rId13"/>
+    <p:notesMasterId r:id="rId11"/>
   </p:notesMasterIdLst>
   <p:sldIdLst>
     <p:sldId id="256" r:id="rId6"/>
     <p:sldId id="257" r:id="rId7"/>
-    <p:sldId id="272" r:id="rId8"/>
-    <p:sldId id="271" r:id="rId9"/>
-    <p:sldId id="258" r:id="rId10"/>
-    <p:sldId id="274" r:id="rId11"/>
-    <p:sldId id="275" r:id="rId12"/>
+    <p:sldId id="258" r:id="rId8"/>
+    <p:sldId id="274" r:id="rId9"/>
+    <p:sldId id="275" r:id="rId10"/>
   </p:sldIdLst>
   <p:sldSz cx="12192000" cy="6858000"/>
   <p:notesSz cx="6858000" cy="9144000"/>
@@ -2672,7 +2670,7 @@
                 <a:latin typeface="+mn-lt"/>
                 <a:ea typeface="+mn-ea"/>
               </a:rPr>
-              <a:t>6</a:t>
+              <a:t>4</a:t>
             </a:fld>
             <a:endParaRPr lang="en-US" sz="1400" b="0" strike="noStrike" spc="-1">
               <a:solidFill>
@@ -2796,7 +2794,7 @@
                 <a:latin typeface="+mn-lt"/>
                 <a:ea typeface="+mn-ea"/>
               </a:rPr>
-              <a:t>7</a:t>
+              <a:t>5</a:t>
             </a:fld>
             <a:endParaRPr lang="en-US" sz="1400" b="0" strike="noStrike" spc="-1">
               <a:solidFill>
@@ -15322,7 +15320,35 @@
                 </a:uFill>
                 <a:latin typeface="Century Gothic"/>
               </a:rPr>
-              <a:t>implementation </a:t>
+              <a:t>implementation</a:t>
+            </a:r>
+            <a:r>
+              <a:rPr lang="he-IL" sz="5400" b="1" spc="-1" dirty="0" smtClean="0">
+                <a:solidFill>
+                  <a:srgbClr val="FEFEFE"/>
+                </a:solidFill>
+                <a:uFill>
+                  <a:solidFill>
+                    <a:srgbClr val="FFFFFF"/>
+                  </a:solidFill>
+                </a:uFill>
+                <a:latin typeface="Century Gothic"/>
+              </a:rPr>
+              <a:t> </a:t>
+            </a:r>
+            <a:r>
+              <a:rPr lang="en-US" sz="5400" b="1" spc="-1" dirty="0" smtClean="0">
+                <a:solidFill>
+                  <a:srgbClr val="FEFEFE"/>
+                </a:solidFill>
+                <a:uFill>
+                  <a:solidFill>
+                    <a:srgbClr val="FFFFFF"/>
+                  </a:solidFill>
+                </a:uFill>
+                <a:latin typeface="Century Gothic"/>
+              </a:rPr>
+              <a:t>assignment </a:t>
             </a:r>
             <a:r>
               <a:rPr lang="en-US" sz="5400" b="1" spc="-1" dirty="0">
@@ -15447,7 +15473,7 @@
               </a:lnSpc>
             </a:pPr>
             <a:r>
-              <a:rPr lang="en-US" sz="4000" b="1" strike="noStrike" spc="-1" dirty="0">
+              <a:rPr lang="en-US" sz="4000" b="1" strike="noStrike" spc="-1" dirty="0" smtClean="0">
                 <a:solidFill>
                   <a:srgbClr val="FEFEFE"/>
                 </a:solidFill>
@@ -15519,21 +15545,143 @@
                 </a:uFill>
                 <a:latin typeface="Century Gothic"/>
               </a:rPr>
-              <a:t>Overlay interpretation</a:t>
+              <a:t>Functional</a:t>
             </a:r>
-          </a:p>
-          <a:p>
-            <a:pPr marL="342900" indent="-342265">
-              <a:lnSpc>
-                <a:spcPct val="100000"/>
-              </a:lnSpc>
+            <a:endParaRPr lang="en-US" sz="2400" spc="-1" dirty="0">
+              <a:solidFill>
+                <a:srgbClr val="FFFFFF"/>
+              </a:solidFill>
+              <a:uFill>
+                <a:solidFill>
+                  <a:srgbClr val="FFFFFF"/>
+                </a:solidFill>
+              </a:uFill>
+              <a:latin typeface="Century Gothic"/>
+            </a:endParaRPr>
+          </a:p>
+          <a:p>
+            <a:pPr marL="800100" lvl="1" indent="-342265">
               <a:buClr>
                 <a:srgbClr val="3494BA"/>
               </a:buClr>
               <a:buFont typeface="Wingdings 2" charset="2"/>
               <a:buChar char=""/>
             </a:pPr>
+            <a:r>
+              <a:rPr lang="en-US" sz="2400" spc="-1" dirty="0" smtClean="0">
+                <a:solidFill>
+                  <a:srgbClr val="FFFFFF"/>
+                </a:solidFill>
+                <a:uFill>
+                  <a:solidFill>
+                    <a:srgbClr val="FFFFFF"/>
+                  </a:solidFill>
+                </a:uFill>
+                <a:latin typeface="Century Gothic"/>
+              </a:rPr>
+              <a:t>Add personnel</a:t>
+            </a:r>
             <a:endParaRPr lang="en-US" sz="2400" spc="-1" dirty="0">
+              <a:solidFill>
+                <a:srgbClr val="FFFFFF"/>
+              </a:solidFill>
+              <a:uFill>
+                <a:solidFill>
+                  <a:srgbClr val="FFFFFF"/>
+                </a:solidFill>
+              </a:uFill>
+              <a:latin typeface="Century Gothic"/>
+            </a:endParaRPr>
+          </a:p>
+          <a:p>
+            <a:pPr marL="800100" lvl="1" indent="-342265">
+              <a:buClr>
+                <a:srgbClr val="3494BA"/>
+              </a:buClr>
+              <a:buFont typeface="Wingdings 2" charset="2"/>
+              <a:buChar char=""/>
+            </a:pPr>
+            <a:r>
+              <a:rPr lang="en-US" sz="2400" spc="-1" dirty="0" smtClean="0">
+                <a:solidFill>
+                  <a:srgbClr val="FFFFFF"/>
+                </a:solidFill>
+                <a:uFill>
+                  <a:solidFill>
+                    <a:srgbClr val="FFFFFF"/>
+                  </a:solidFill>
+                </a:uFill>
+                <a:latin typeface="Century Gothic"/>
+              </a:rPr>
+              <a:t>Remove personnel</a:t>
+            </a:r>
+            <a:endParaRPr lang="en-US" sz="2400" spc="-1" dirty="0" smtClean="0">
+              <a:solidFill>
+                <a:srgbClr val="FFFFFF"/>
+              </a:solidFill>
+              <a:uFill>
+                <a:solidFill>
+                  <a:srgbClr val="FFFFFF"/>
+                </a:solidFill>
+              </a:uFill>
+              <a:latin typeface="Century Gothic"/>
+            </a:endParaRPr>
+          </a:p>
+          <a:p>
+            <a:pPr marL="800100" lvl="1" indent="-342265">
+              <a:buClr>
+                <a:srgbClr val="3494BA"/>
+              </a:buClr>
+              <a:buFont typeface="Wingdings 2" charset="2"/>
+              <a:buChar char=""/>
+            </a:pPr>
+            <a:r>
+              <a:rPr lang="en-US" sz="2400" spc="-1" dirty="0" smtClean="0">
+                <a:solidFill>
+                  <a:srgbClr val="FFFFFF"/>
+                </a:solidFill>
+                <a:uFill>
+                  <a:solidFill>
+                    <a:srgbClr val="FFFFFF"/>
+                  </a:solidFill>
+                </a:uFill>
+                <a:latin typeface="Century Gothic"/>
+              </a:rPr>
+              <a:t>Get all personnel</a:t>
+            </a:r>
+          </a:p>
+          <a:p>
+            <a:pPr marL="800100" lvl="1" indent="-342265">
+              <a:buClr>
+                <a:srgbClr val="3494BA"/>
+              </a:buClr>
+              <a:buFont typeface="Wingdings 2" charset="2"/>
+              <a:buChar char=""/>
+            </a:pPr>
+            <a:r>
+              <a:rPr lang="en-US" sz="2400" spc="-1" dirty="0" smtClean="0">
+                <a:solidFill>
+                  <a:srgbClr val="FFFFFF"/>
+                </a:solidFill>
+                <a:uFill>
+                  <a:solidFill>
+                    <a:srgbClr val="FFFFFF"/>
+                  </a:solidFill>
+                </a:uFill>
+                <a:latin typeface="Century Gothic"/>
+              </a:rPr>
+              <a:t>Get personnel by Birthday</a:t>
+            </a:r>
+          </a:p>
+          <a:p>
+            <a:pPr marL="800100" lvl="1" indent="-342265">
+              <a:buClr>
+                <a:srgbClr val="3494BA"/>
+              </a:buClr>
+              <a:buFont typeface="Wingdings 2" charset="2"/>
+              <a:buChar char=""/>
+            </a:pPr>
+            <a:endParaRPr lang="en-US" sz="2400" spc="-1" dirty="0" smtClean="0">
               <a:solidFill>
                 <a:srgbClr val="FFFFFF"/>
               </a:solidFill>
@@ -15568,8 +15716,88 @@
                 </a:uFill>
                 <a:latin typeface="Century Gothic"/>
               </a:rPr>
-              <a:t>Representing overlay frames (in feature version filtered frames too)</a:t>
+              <a:t>System</a:t>
             </a:r>
+          </a:p>
+          <a:p>
+            <a:pPr marL="800100" lvl="1" indent="-342265">
+              <a:buClr>
+                <a:srgbClr val="3494BA"/>
+              </a:buClr>
+              <a:buFont typeface="Wingdings 2" charset="2"/>
+              <a:buChar char=""/>
+            </a:pPr>
+            <a:r>
+              <a:rPr lang="en-US" sz="2400" spc="-1" dirty="0" smtClean="0">
+                <a:solidFill>
+                  <a:srgbClr val="FFFFFF"/>
+                </a:solidFill>
+                <a:uFill>
+                  <a:solidFill>
+                    <a:srgbClr val="FFFFFF"/>
+                  </a:solidFill>
+                </a:uFill>
+                <a:latin typeface="Century Gothic"/>
+              </a:rPr>
+              <a:t>Server side implemented in python, FLASK package</a:t>
+            </a:r>
+          </a:p>
+          <a:p>
+            <a:pPr marL="800100" lvl="1" indent="-342265">
+              <a:buClr>
+                <a:srgbClr val="3494BA"/>
+              </a:buClr>
+              <a:buFont typeface="Wingdings 2" charset="2"/>
+              <a:buChar char=""/>
+            </a:pPr>
+            <a:r>
+              <a:rPr lang="en-US" sz="2400" spc="-1" dirty="0" smtClean="0">
+                <a:solidFill>
+                  <a:srgbClr val="FFFFFF"/>
+                </a:solidFill>
+                <a:uFill>
+                  <a:solidFill>
+                    <a:srgbClr val="FFFFFF"/>
+                  </a:solidFill>
+                </a:uFill>
+                <a:latin typeface="Century Gothic"/>
+              </a:rPr>
+              <a:t>Server side uses JSON file as a DB</a:t>
+            </a:r>
+          </a:p>
+          <a:p>
+            <a:pPr marL="800100" lvl="1" indent="-342265">
+              <a:buClr>
+                <a:srgbClr val="3494BA"/>
+              </a:buClr>
+              <a:buFont typeface="Wingdings 2" charset="2"/>
+              <a:buChar char=""/>
+            </a:pPr>
+            <a:r>
+              <a:rPr lang="en-US" sz="2400" spc="-1" dirty="0" smtClean="0">
+                <a:solidFill>
+                  <a:srgbClr val="FFFFFF"/>
+                </a:solidFill>
+                <a:uFill>
+                  <a:solidFill>
+                    <a:srgbClr val="FFFFFF"/>
+                  </a:solidFill>
+                </a:uFill>
+                <a:latin typeface="Century Gothic"/>
+              </a:rPr>
+              <a:t>Client side implemented in python, REQUEST package</a:t>
+            </a:r>
+            <a:endParaRPr lang="en-US" sz="2400" spc="-1" dirty="0">
+              <a:solidFill>
+                <a:srgbClr val="FFFFFF"/>
+              </a:solidFill>
+              <a:uFill>
+                <a:solidFill>
+                  <a:srgbClr val="FFFFFF"/>
+                </a:solidFill>
+              </a:uFill>
+              <a:latin typeface="Century Gothic"/>
+            </a:endParaRPr>
           </a:p>
           <a:p>
             <a:pPr marL="342900" indent="-342265">
@@ -15582,43 +15810,6 @@
               <a:buFont typeface="Wingdings 2" charset="2"/>
               <a:buChar char=""/>
             </a:pPr>
-            <a:endParaRPr lang="en-US" sz="2400" spc="-1" dirty="0" smtClean="0">
-              <a:solidFill>
-                <a:srgbClr val="FFFFFF"/>
-              </a:solidFill>
-              <a:uFill>
-                <a:solidFill>
-                  <a:srgbClr val="FFFFFF"/>
-                </a:solidFill>
-              </a:uFill>
-              <a:latin typeface="Century Gothic"/>
-            </a:endParaRPr>
-          </a:p>
-          <a:p>
-            <a:pPr marL="342900" indent="-342265">
-              <a:lnSpc>
-                <a:spcPct val="100000"/>
-              </a:lnSpc>
-              <a:buClr>
-                <a:srgbClr val="3494BA"/>
-              </a:buClr>
-              <a:buFont typeface="Wingdings 2" charset="2"/>
-              <a:buChar char=""/>
-            </a:pPr>
-            <a:r>
-              <a:rPr lang="en-US" sz="2400" spc="-1" dirty="0" smtClean="0">
-                <a:solidFill>
-                  <a:srgbClr val="FFFFFF"/>
-                </a:solidFill>
-                <a:uFill>
-                  <a:solidFill>
-                    <a:srgbClr val="FFFFFF"/>
-                  </a:solidFill>
-                </a:uFill>
-                <a:latin typeface="Century Gothic"/>
-              </a:rPr>
-              <a:t>Supporting online for online</a:t>
-            </a:r>
             <a:endParaRPr lang="en-US" sz="2400" spc="-1" dirty="0">
               <a:solidFill>
                 <a:srgbClr val="FFFFFF"/>
@@ -15687,14 +15878,14 @@
       </p:grpSpPr>
       <p:sp>
         <p:nvSpPr>
-          <p:cNvPr id="207" name="TextShape 1"/>
+          <p:cNvPr id="209" name="TextShape 1"/>
           <p:cNvSpPr txBox="1"/>
           <p:nvPr/>
         </p:nvSpPr>
         <p:spPr>
           <a:xfrm>
-            <a:off x="255108" y="298626"/>
-            <a:ext cx="10571760" cy="1217557"/>
+            <a:off x="1357200" y="2436120"/>
+            <a:ext cx="4382280" cy="2007360"/>
           </a:xfrm>
           <a:prstGeom prst="rect">
             <a:avLst/>
@@ -15705,7 +15896,7 @@
           </a:ln>
         </p:spPr>
         <p:txBody>
-          <a:bodyPr anchor="ctr"/>
+          <a:bodyPr anchor="b"/>
           <a:lstStyle/>
           <a:p>
             <a:pPr>
@@ -15714,7 +15905,7 @@
               </a:lnSpc>
             </a:pPr>
             <a:r>
-              <a:rPr lang="en-US" sz="4000" b="1" spc="-1" dirty="0" err="1">
+              <a:rPr lang="en-US" sz="3200" b="1" strike="noStrike" spc="-1">
                 <a:solidFill>
                   <a:srgbClr val="FEFEFE"/>
                 </a:solidFill>
@@ -15725,37 +15916,9 @@
                 </a:uFill>
                 <a:latin typeface="Century Gothic"/>
               </a:rPr>
-              <a:t>OverlayFrameGroup</a:t>
+              <a:t>Architecture</a:t>
             </a:r>
-            <a:r>
-              <a:rPr lang="en-US" sz="4000" b="1" spc="-1" dirty="0">
-                <a:solidFill>
-                  <a:srgbClr val="FEFEFE"/>
-                </a:solidFill>
-                <a:uFill>
-                  <a:solidFill>
-                    <a:srgbClr val="FFFFFF"/>
-                  </a:solidFill>
-                </a:uFill>
-                <a:latin typeface="Century Gothic"/>
-              </a:rPr>
-              <a:t>  </a:t>
-            </a:r>
-            <a:r>
-              <a:rPr lang="en-US" sz="4000" b="1" spc="-1" dirty="0" smtClean="0">
-                <a:solidFill>
-                  <a:srgbClr val="FEFEFE"/>
-                </a:solidFill>
-                <a:uFill>
-                  <a:solidFill>
-                    <a:srgbClr val="FFFFFF"/>
-                  </a:solidFill>
-                </a:uFill>
-                <a:latin typeface="Century Gothic"/>
-              </a:rPr>
-              <a:t>Entity </a:t>
-            </a:r>
-            <a:endParaRPr lang="en-US" sz="1800" b="0" strike="noStrike" spc="-1" dirty="0">
+            <a:endParaRPr lang="en-US" sz="1800" b="0" strike="noStrike" spc="-1">
               <a:solidFill>
                 <a:srgbClr val="FFFFFF"/>
               </a:solidFill>
@@ -15769,549 +15932,30 @@
           </a:p>
         </p:txBody>
       </p:sp>
-      <p:sp>
-        <p:nvSpPr>
-          <p:cNvPr id="208" name="TextShape 2"/>
-          <p:cNvSpPr txBox="1"/>
+      <p:pic>
+        <p:nvPicPr>
+          <p:cNvPr id="210" name="Picture 2"/>
+          <p:cNvPicPr/>
           <p:nvPr/>
-        </p:nvSpPr>
-        <p:spPr>
-          <a:xfrm>
-            <a:off x="818640" y="2222280"/>
-            <a:ext cx="10554120" cy="4248858"/>
-          </a:xfrm>
-          <a:prstGeom prst="rect">
-            <a:avLst/>
-          </a:prstGeom>
-          <a:noFill/>
+        </p:nvPicPr>
+        <p:blipFill>
+          <a:blip r:embed="rId2"/>
+          <a:stretch/>
+        </p:blipFill>
+        <p:spPr>
+          <a:xfrm>
+            <a:off x="6212520" y="2498040"/>
+            <a:ext cx="4823280" cy="1871280"/>
+          </a:xfrm>
+          <a:prstGeom prst="rect">
+            <a:avLst/>
+          </a:prstGeom>
           <a:ln>
             <a:noFill/>
           </a:ln>
         </p:spPr>
-        <p:txBody>
-          <a:bodyPr anchor="t"/>
-          <a:lstStyle/>
-          <a:p>
-            <a:pPr marL="342900" indent="-342265">
-              <a:buClr>
-                <a:srgbClr val="3494BA"/>
-              </a:buClr>
-              <a:buFont typeface="Wingdings 2" charset="2"/>
-              <a:buChar char=""/>
-            </a:pPr>
-            <a:r>
-              <a:rPr lang="en-US" sz="2000" spc="-1" dirty="0" smtClean="0">
-                <a:solidFill>
-                  <a:srgbClr val="FFFFFF"/>
-                </a:solidFill>
-                <a:uFill>
-                  <a:solidFill>
-                    <a:srgbClr val="FFFFFF"/>
-                  </a:solidFill>
-                </a:uFill>
-                <a:latin typeface="Century Gothic"/>
-              </a:rPr>
-              <a:t>Due </a:t>
-            </a:r>
-            <a:r>
-              <a:rPr lang="en-US" sz="2000" spc="-1" dirty="0">
-                <a:solidFill>
-                  <a:srgbClr val="FFFFFF"/>
-                </a:solidFill>
-                <a:uFill>
-                  <a:solidFill>
-                    <a:srgbClr val="FFFFFF"/>
-                  </a:solidFill>
-                </a:uFill>
-                <a:latin typeface="Century Gothic"/>
-              </a:rPr>
-              <a:t>to </a:t>
-            </a:r>
-            <a:r>
-              <a:rPr lang="en-US" sz="2000" spc="-1" dirty="0" smtClean="0">
-                <a:solidFill>
-                  <a:srgbClr val="FFFFFF"/>
-                </a:solidFill>
-                <a:uFill>
-                  <a:solidFill>
-                    <a:srgbClr val="FFFFFF"/>
-                  </a:solidFill>
-                </a:uFill>
-                <a:latin typeface="Century Gothic"/>
-              </a:rPr>
-              <a:t>inability to detach (remove) existing FrameGroup class it will be left intact in the current release. </a:t>
-            </a:r>
-          </a:p>
-          <a:p>
-            <a:pPr marL="342900" indent="-342265">
-              <a:buClr>
-                <a:srgbClr val="3494BA"/>
-              </a:buClr>
-              <a:buFont typeface="Wingdings 2" charset="2"/>
-              <a:buChar char=""/>
-            </a:pPr>
-            <a:endParaRPr lang="en-US" sz="2000" spc="-1" dirty="0" smtClean="0">
-              <a:solidFill>
-                <a:srgbClr val="FFFFFF"/>
-              </a:solidFill>
-              <a:uFill>
-                <a:solidFill>
-                  <a:srgbClr val="FFFFFF"/>
-                </a:solidFill>
-              </a:uFill>
-              <a:latin typeface="Century Gothic"/>
-            </a:endParaRPr>
-          </a:p>
-          <a:p>
-            <a:pPr marL="342900" indent="-342265">
-              <a:buClr>
-                <a:srgbClr val="3494BA"/>
-              </a:buClr>
-              <a:buFont typeface="Wingdings 2" charset="2"/>
-              <a:buChar char=""/>
-            </a:pPr>
-            <a:r>
-              <a:rPr lang="en-US" sz="2000" spc="-1" dirty="0" smtClean="0">
-                <a:solidFill>
-                  <a:srgbClr val="FFFFFF"/>
-                </a:solidFill>
-                <a:uFill>
-                  <a:solidFill>
-                    <a:srgbClr val="FFFFFF"/>
-                  </a:solidFill>
-                </a:uFill>
-                <a:latin typeface="Century Gothic"/>
-              </a:rPr>
-              <a:t>OverlayFrameGroup class will be created and used beside of FrameGroup. </a:t>
-            </a:r>
-          </a:p>
-          <a:p>
-            <a:pPr marL="342900" indent="-342265">
-              <a:buClr>
-                <a:srgbClr val="3494BA"/>
-              </a:buClr>
-              <a:buFont typeface="Wingdings 2" charset="2"/>
-              <a:buChar char=""/>
-            </a:pPr>
-            <a:endParaRPr lang="en-US" sz="2000" spc="-1" dirty="0">
-              <a:solidFill>
-                <a:srgbClr val="FFFFFF"/>
-              </a:solidFill>
-              <a:uFill>
-                <a:solidFill>
-                  <a:srgbClr val="FFFFFF"/>
-                </a:solidFill>
-              </a:uFill>
-              <a:latin typeface="Century Gothic"/>
-            </a:endParaRPr>
-          </a:p>
-          <a:p>
-            <a:pPr marL="342900" indent="-342265">
-              <a:buClr>
-                <a:srgbClr val="3494BA"/>
-              </a:buClr>
-              <a:buFont typeface="Wingdings 2" charset="2"/>
-              <a:buChar char=""/>
-            </a:pPr>
-            <a:r>
-              <a:rPr lang="en-US" sz="2000" spc="-1" dirty="0" smtClean="0">
-                <a:solidFill>
-                  <a:srgbClr val="FFFFFF"/>
-                </a:solidFill>
-                <a:uFill>
-                  <a:solidFill>
-                    <a:srgbClr val="FFFFFF"/>
-                  </a:solidFill>
-                </a:uFill>
-                <a:latin typeface="Century Gothic"/>
-              </a:rPr>
-              <a:t>OverlayFrameGroup will be used in very similar manner to  </a:t>
-            </a:r>
-            <a:r>
-              <a:rPr lang="en-US" sz="2000" spc="-1" dirty="0" err="1" smtClean="0">
-                <a:solidFill>
-                  <a:srgbClr val="FFFFFF"/>
-                </a:solidFill>
-                <a:uFill>
-                  <a:solidFill>
-                    <a:srgbClr val="FFFFFF"/>
-                  </a:solidFill>
-                </a:uFill>
-                <a:latin typeface="Century Gothic"/>
-              </a:rPr>
-              <a:t>FrameGroup</a:t>
-            </a:r>
-            <a:r>
-              <a:rPr lang="en-US" sz="2000" spc="-1" dirty="0">
-                <a:solidFill>
-                  <a:srgbClr val="FFFFFF"/>
-                </a:solidFill>
-                <a:uFill>
-                  <a:solidFill>
-                    <a:srgbClr val="FFFFFF"/>
-                  </a:solidFill>
-                </a:uFill>
-                <a:latin typeface="Century Gothic"/>
-              </a:rPr>
-              <a:t> </a:t>
-            </a:r>
-            <a:r>
-              <a:rPr lang="en-US" sz="2000" spc="-1" dirty="0" smtClean="0">
-                <a:solidFill>
-                  <a:srgbClr val="FFFFFF"/>
-                </a:solidFill>
-                <a:uFill>
-                  <a:solidFill>
-                    <a:srgbClr val="FFFFFF"/>
-                  </a:solidFill>
-                </a:uFill>
-                <a:latin typeface="Century Gothic"/>
-              </a:rPr>
-              <a:t>(both implement </a:t>
-            </a:r>
-            <a:r>
-              <a:rPr lang="en-US" sz="2000" spc="-1" dirty="0" err="1" smtClean="0">
-                <a:solidFill>
-                  <a:srgbClr val="FFFFFF"/>
-                </a:solidFill>
-                <a:uFill>
-                  <a:solidFill>
-                    <a:srgbClr val="FFFFFF"/>
-                  </a:solidFill>
-                </a:uFill>
-                <a:latin typeface="Century Gothic"/>
-              </a:rPr>
-              <a:t>IFrameGroup</a:t>
-            </a:r>
-            <a:r>
-              <a:rPr lang="en-US" sz="2000" spc="-1" dirty="0" smtClean="0">
-                <a:solidFill>
-                  <a:srgbClr val="FFFFFF"/>
-                </a:solidFill>
-                <a:uFill>
-                  <a:solidFill>
-                    <a:srgbClr val="FFFFFF"/>
-                  </a:solidFill>
-                </a:uFill>
-                <a:latin typeface="Century Gothic"/>
-              </a:rPr>
-              <a:t> interface)</a:t>
-            </a:r>
-          </a:p>
-          <a:p>
-            <a:pPr marL="635">
-              <a:lnSpc>
-                <a:spcPct val="100000"/>
-              </a:lnSpc>
-              <a:buClr>
-                <a:srgbClr val="3494BA"/>
-              </a:buClr>
-            </a:pPr>
-            <a:endParaRPr lang="en-US" sz="2000" spc="-1" dirty="0" smtClean="0">
-              <a:solidFill>
-                <a:srgbClr val="FFFFFF"/>
-              </a:solidFill>
-              <a:uFill>
-                <a:solidFill>
-                  <a:srgbClr val="FFFFFF"/>
-                </a:solidFill>
-              </a:uFill>
-              <a:latin typeface="Century Gothic"/>
-            </a:endParaRPr>
-          </a:p>
-          <a:p>
-            <a:pPr marL="342900" indent="-342265">
-              <a:lnSpc>
-                <a:spcPct val="100000"/>
-              </a:lnSpc>
-              <a:buClr>
-                <a:srgbClr val="3494BA"/>
-              </a:buClr>
-              <a:buFont typeface="Wingdings 2" charset="2"/>
-              <a:buChar char=""/>
-            </a:pPr>
-            <a:r>
-              <a:rPr lang="en-US" sz="2000" spc="-1" dirty="0" err="1">
-                <a:solidFill>
-                  <a:srgbClr val="FFFFFF"/>
-                </a:solidFill>
-                <a:uFill>
-                  <a:solidFill>
-                    <a:srgbClr val="FFFFFF"/>
-                  </a:solidFill>
-                </a:uFill>
-                <a:latin typeface="Century Gothic"/>
-              </a:rPr>
-              <a:t>OverlayFrameGroup</a:t>
-            </a:r>
-            <a:r>
-              <a:rPr lang="en-US" sz="2000" spc="-1" dirty="0">
-                <a:solidFill>
-                  <a:srgbClr val="FFFFFF"/>
-                </a:solidFill>
-                <a:uFill>
-                  <a:solidFill>
-                    <a:srgbClr val="FFFFFF"/>
-                  </a:solidFill>
-                </a:uFill>
-                <a:latin typeface="Century Gothic"/>
-              </a:rPr>
-              <a:t> </a:t>
-            </a:r>
-            <a:r>
-              <a:rPr lang="en-US" sz="2000" spc="-1" dirty="0" smtClean="0">
-                <a:solidFill>
-                  <a:srgbClr val="FFFFFF"/>
-                </a:solidFill>
-                <a:uFill>
-                  <a:solidFill>
-                    <a:srgbClr val="FFFFFF"/>
-                  </a:solidFill>
-                </a:uFill>
-                <a:latin typeface="Century Gothic"/>
-              </a:rPr>
-              <a:t>Footprint </a:t>
-            </a:r>
-            <a:r>
-              <a:rPr lang="en-US" sz="2000" spc="-1" dirty="0">
-                <a:solidFill>
-                  <a:srgbClr val="FFFFFF"/>
-                </a:solidFill>
-                <a:uFill>
-                  <a:solidFill>
-                    <a:srgbClr val="FFFFFF"/>
-                  </a:solidFill>
-                </a:uFill>
-                <a:latin typeface="Century Gothic"/>
-              </a:rPr>
-              <a:t>calculation </a:t>
-            </a:r>
-            <a:r>
-              <a:rPr lang="en-US" sz="2000" spc="-1" dirty="0" smtClean="0">
-                <a:solidFill>
-                  <a:srgbClr val="FFFFFF"/>
-                </a:solidFill>
-                <a:uFill>
-                  <a:solidFill>
-                    <a:srgbClr val="FFFFFF"/>
-                  </a:solidFill>
-                </a:uFill>
-                <a:latin typeface="Century Gothic"/>
-              </a:rPr>
-              <a:t>logics is </a:t>
-            </a:r>
-            <a:r>
-              <a:rPr lang="en-US" sz="2000" spc="-1" dirty="0">
-                <a:solidFill>
-                  <a:srgbClr val="FFFFFF"/>
-                </a:solidFill>
-                <a:uFill>
-                  <a:solidFill>
-                    <a:srgbClr val="FFFFFF"/>
-                  </a:solidFill>
-                </a:uFill>
-                <a:latin typeface="Century Gothic"/>
-              </a:rPr>
-              <a:t>redundant, every </a:t>
-            </a:r>
-            <a:r>
-              <a:rPr lang="en-US" sz="2000" spc="-1" dirty="0" smtClean="0">
-                <a:solidFill>
-                  <a:srgbClr val="FFFFFF"/>
-                </a:solidFill>
-                <a:uFill>
-                  <a:solidFill>
-                    <a:srgbClr val="FFFFFF"/>
-                  </a:solidFill>
-                </a:uFill>
-                <a:latin typeface="Century Gothic"/>
-              </a:rPr>
-              <a:t>usage will </a:t>
-            </a:r>
-            <a:r>
-              <a:rPr lang="en-US" sz="2000" spc="-1" dirty="0">
-                <a:solidFill>
-                  <a:srgbClr val="FFFFFF"/>
-                </a:solidFill>
-                <a:uFill>
-                  <a:solidFill>
-                    <a:srgbClr val="FFFFFF"/>
-                  </a:solidFill>
-                </a:uFill>
-                <a:latin typeface="Century Gothic"/>
-              </a:rPr>
-              <a:t>be removed</a:t>
-            </a:r>
-            <a:r>
-              <a:rPr lang="en-US" sz="2000" spc="-1" dirty="0" smtClean="0">
-                <a:solidFill>
-                  <a:srgbClr val="FFFFFF"/>
-                </a:solidFill>
-                <a:uFill>
-                  <a:solidFill>
-                    <a:srgbClr val="FFFFFF"/>
-                  </a:solidFill>
-                </a:uFill>
-                <a:latin typeface="Century Gothic"/>
-              </a:rPr>
-              <a:t>.</a:t>
-            </a:r>
-          </a:p>
-          <a:p>
-            <a:pPr marL="342900" indent="-342265">
-              <a:lnSpc>
-                <a:spcPct val="100000"/>
-              </a:lnSpc>
-              <a:buClr>
-                <a:srgbClr val="3494BA"/>
-              </a:buClr>
-              <a:buFont typeface="Wingdings 2" charset="2"/>
-              <a:buChar char=""/>
-            </a:pPr>
-            <a:endParaRPr lang="en-US" sz="2000" spc="-1" dirty="0">
-              <a:solidFill>
-                <a:srgbClr val="FFFFFF"/>
-              </a:solidFill>
-              <a:uFill>
-                <a:solidFill>
-                  <a:srgbClr val="FFFFFF"/>
-                </a:solidFill>
-              </a:uFill>
-              <a:latin typeface="Century Gothic"/>
-            </a:endParaRPr>
-          </a:p>
-          <a:p>
-            <a:pPr marL="342900" indent="-342265">
-              <a:lnSpc>
-                <a:spcPct val="100000"/>
-              </a:lnSpc>
-              <a:buClr>
-                <a:srgbClr val="3494BA"/>
-              </a:buClr>
-              <a:buFont typeface="Wingdings 2" charset="2"/>
-              <a:buChar char=""/>
-            </a:pPr>
-            <a:r>
-              <a:rPr lang="en-US" sz="2000" spc="-1" dirty="0" err="1">
-                <a:solidFill>
-                  <a:srgbClr val="FFFFFF"/>
-                </a:solidFill>
-                <a:uFill>
-                  <a:solidFill>
-                    <a:srgbClr val="FFFFFF"/>
-                  </a:solidFill>
-                </a:uFill>
-                <a:latin typeface="Century Gothic"/>
-              </a:rPr>
-              <a:t>OverlayFrameGroup</a:t>
-            </a:r>
-            <a:r>
-              <a:rPr lang="en-US" sz="2000" spc="-1" dirty="0">
-                <a:solidFill>
-                  <a:srgbClr val="FFFFFF"/>
-                </a:solidFill>
-                <a:uFill>
-                  <a:solidFill>
-                    <a:srgbClr val="FFFFFF"/>
-                  </a:solidFill>
-                </a:uFill>
-                <a:latin typeface="Century Gothic"/>
-              </a:rPr>
-              <a:t> </a:t>
-            </a:r>
-            <a:r>
-              <a:rPr lang="en-US" sz="2000" spc="-1" dirty="0" smtClean="0">
-                <a:solidFill>
-                  <a:srgbClr val="FFFFFF"/>
-                </a:solidFill>
-                <a:uFill>
-                  <a:solidFill>
-                    <a:srgbClr val="FFFFFF"/>
-                  </a:solidFill>
-                </a:uFill>
-                <a:latin typeface="Century Gothic"/>
-              </a:rPr>
-              <a:t>treatment </a:t>
-            </a:r>
-            <a:r>
-              <a:rPr lang="en-US" sz="2000" spc="-1" dirty="0">
-                <a:solidFill>
-                  <a:srgbClr val="FFFFFF"/>
-                </a:solidFill>
-                <a:uFill>
-                  <a:solidFill>
-                    <a:srgbClr val="FFFFFF"/>
-                  </a:solidFill>
-                </a:uFill>
-                <a:latin typeface="Century Gothic"/>
-              </a:rPr>
-              <a:t>in </a:t>
-            </a:r>
-            <a:r>
-              <a:rPr lang="en-US" sz="2000" spc="-1" dirty="0" smtClean="0">
-                <a:solidFill>
-                  <a:srgbClr val="FFFFFF"/>
-                </a:solidFill>
-                <a:uFill>
-                  <a:solidFill>
-                    <a:srgbClr val="FFFFFF"/>
-                  </a:solidFill>
-                </a:uFill>
-                <a:latin typeface="Century Gothic"/>
-              </a:rPr>
-              <a:t>online </a:t>
-            </a:r>
-            <a:r>
-              <a:rPr lang="en-US" sz="2000" spc="-1" dirty="0">
-                <a:solidFill>
-                  <a:srgbClr val="FFFFFF"/>
-                </a:solidFill>
-                <a:uFill>
-                  <a:solidFill>
-                    <a:srgbClr val="FFFFFF"/>
-                  </a:solidFill>
-                </a:uFill>
-                <a:latin typeface="Century Gothic"/>
-              </a:rPr>
-              <a:t>mechanism (Overlay </a:t>
-            </a:r>
-            <a:r>
-              <a:rPr lang="en-US" sz="2000" spc="-1" dirty="0" smtClean="0">
-                <a:solidFill>
-                  <a:srgbClr val="FFFFFF"/>
-                </a:solidFill>
-                <a:uFill>
-                  <a:solidFill>
-                    <a:srgbClr val="FFFFFF"/>
-                  </a:solidFill>
-                </a:uFill>
-                <a:latin typeface="Century Gothic"/>
-              </a:rPr>
-              <a:t>updated</a:t>
-            </a:r>
-            <a:r>
-              <a:rPr lang="en-US" sz="2000" spc="-1" dirty="0">
-                <a:solidFill>
-                  <a:srgbClr val="FFFFFF"/>
-                </a:solidFill>
-                <a:uFill>
-                  <a:solidFill>
-                    <a:srgbClr val="FFFFFF"/>
-                  </a:solidFill>
-                </a:uFill>
-                <a:latin typeface="Century Gothic"/>
-              </a:rPr>
-              <a:t>) </a:t>
-            </a:r>
-          </a:p>
-        </p:txBody>
-      </p:sp>
+      </p:pic>
     </p:spTree>
-    <p:extLst>
-      <p:ext uri="{BB962C8B-B14F-4D97-AF65-F5344CB8AC3E}">
-        <p14:creationId xmlns:p14="http://schemas.microsoft.com/office/powerpoint/2010/main" val="2764199119"/>
-      </p:ext>
-    </p:extLst>
   </p:cSld>
   <p:clrMapOvr>
     <a:masterClrMapping/>
@@ -16365,14 +16009,14 @@
       </p:grpSpPr>
       <p:sp>
         <p:nvSpPr>
-          <p:cNvPr id="207" name="TextShape 1"/>
+          <p:cNvPr id="221" name="TextShape 1"/>
           <p:cNvSpPr txBox="1"/>
           <p:nvPr/>
         </p:nvSpPr>
         <p:spPr>
           <a:xfrm>
-            <a:off x="247292" y="322073"/>
-            <a:ext cx="10571760" cy="1217557"/>
+            <a:off x="810000" y="447120"/>
+            <a:ext cx="10571760" cy="970200"/>
           </a:xfrm>
           <a:prstGeom prst="rect">
             <a:avLst/>
@@ -16383,29 +16027,10 @@
           </a:ln>
         </p:spPr>
         <p:txBody>
-          <a:bodyPr anchor="ctr"/>
-          <a:lstStyle/>
-          <a:p>
-            <a:pPr>
-              <a:lnSpc>
-                <a:spcPct val="100000"/>
-              </a:lnSpc>
-            </a:pPr>
-            <a:r>
-              <a:rPr lang="en-US" sz="4000" b="1" spc="-1" dirty="0" smtClean="0">
-                <a:solidFill>
-                  <a:srgbClr val="FEFEFE"/>
-                </a:solidFill>
-                <a:uFill>
-                  <a:solidFill>
-                    <a:srgbClr val="FFFFFF"/>
-                  </a:solidFill>
-                </a:uFill>
-                <a:latin typeface="Century Gothic"/>
-              </a:rPr>
-              <a:t>Frames treatment</a:t>
-            </a:r>
-            <a:endParaRPr lang="en-US" sz="1800" b="0" strike="noStrike" spc="-1" dirty="0">
+          <a:bodyPr anchor="b"/>
+          <a:lstStyle/>
+          <a:p>
+            <a:endParaRPr lang="en-US" sz="1800" b="0" strike="noStrike" spc="-1">
               <a:solidFill>
                 <a:srgbClr val="FFFFFF"/>
               </a:solidFill>
@@ -16421,14 +16046,20 @@
       </p:sp>
       <p:sp>
         <p:nvSpPr>
-          <p:cNvPr id="208" name="TextShape 2"/>
+          <p:cNvPr id="7" name="TextShape 1">
+            <a:extLst>
+              <a:ext uri="{FF2B5EF4-FFF2-40B4-BE49-F238E27FC236}">
+                <a16:creationId xmlns:a16="http://schemas.microsoft.com/office/drawing/2014/main" xmlns="" id="{16E8E58B-F695-4079-B50C-1804AFA5D52B}"/>
+              </a:ext>
+            </a:extLst>
+          </p:cNvPr>
           <p:cNvSpPr txBox="1"/>
           <p:nvPr/>
         </p:nvSpPr>
         <p:spPr>
           <a:xfrm>
-            <a:off x="818640" y="2222279"/>
-            <a:ext cx="10554120" cy="4342643"/>
+            <a:off x="174488" y="248960"/>
+            <a:ext cx="11284068" cy="1366520"/>
           </a:xfrm>
           <a:prstGeom prst="rect">
             <a:avLst/>
@@ -16439,198 +16070,66 @@
           </a:ln>
         </p:spPr>
         <p:txBody>
-          <a:bodyPr anchor="t"/>
-          <a:lstStyle/>
-          <a:p>
-            <a:pPr marL="342900" indent="-342265">
-              <a:lnSpc>
-                <a:spcPct val="100000"/>
-              </a:lnSpc>
-              <a:buClr>
-                <a:srgbClr val="3494BA"/>
-              </a:buClr>
-              <a:buFont typeface="Wingdings 2" charset="2"/>
-              <a:buChar char=""/>
-            </a:pPr>
+          <a:bodyPr anchor="ctr"/>
+          <a:lstStyle/>
+          <a:p>
             <a:r>
-              <a:rPr lang="en-US" sz="2400" spc="-1" dirty="0" smtClean="0">
-                <a:solidFill>
-                  <a:srgbClr val="FFFFFF"/>
-                </a:solidFill>
-                <a:uFill>
-                  <a:solidFill>
-                    <a:srgbClr val="FFFFFF"/>
-                  </a:solidFill>
-                </a:uFill>
+              <a:rPr lang="en-US" sz="4000" b="1" spc="-1" dirty="0" smtClean="0">
+                <a:solidFill>
+                  <a:srgbClr val="FEFEFE"/>
+                </a:solidFill>
                 <a:latin typeface="Century Gothic"/>
               </a:rPr>
-              <a:t>At </a:t>
+              <a:t>Organization Personnel Managing </a:t>
             </a:r>
+          </a:p>
+          <a:p>
             <a:r>
-              <a:rPr lang="en-US" sz="2400" spc="-1" dirty="0">
-                <a:solidFill>
-                  <a:srgbClr val="FFFFFF"/>
-                </a:solidFill>
-                <a:uFill>
-                  <a:solidFill>
-                    <a:srgbClr val="FFFFFF"/>
-                  </a:solidFill>
-                </a:uFill>
+              <a:rPr lang="en-US" sz="4000" b="1" spc="-1" dirty="0" smtClean="0">
+                <a:solidFill>
+                  <a:srgbClr val="FEFEFE"/>
+                </a:solidFill>
                 <a:latin typeface="Century Gothic"/>
               </a:rPr>
-              <a:t>Nato version interpretation got Frames from FrameGroup entities. In the </a:t>
+              <a:t>Sequence Diagram</a:t>
             </a:r>
-            <a:r>
-              <a:rPr lang="en-US" sz="2400" spc="-1" dirty="0" smtClean="0">
-                <a:solidFill>
-                  <a:srgbClr val="FFFFFF"/>
-                </a:solidFill>
-                <a:uFill>
-                  <a:solidFill>
-                    <a:srgbClr val="FFFFFF"/>
-                  </a:solidFill>
-                </a:uFill>
-                <a:latin typeface="Century Gothic"/>
-              </a:rPr>
-              <a:t>newer </a:t>
-            </a:r>
-            <a:r>
-              <a:rPr lang="en-US" sz="2400" spc="-1" dirty="0">
-                <a:solidFill>
-                  <a:srgbClr val="FFFFFF"/>
-                </a:solidFill>
-                <a:uFill>
-                  <a:solidFill>
-                    <a:srgbClr val="FFFFFF"/>
-                  </a:solidFill>
-                </a:uFill>
-                <a:latin typeface="Century Gothic"/>
-              </a:rPr>
-              <a:t>version, Frames will be provided </a:t>
-            </a:r>
-            <a:r>
-              <a:rPr lang="en-US" sz="2400" spc="-1" dirty="0" smtClean="0">
-                <a:solidFill>
-                  <a:srgbClr val="FFFFFF"/>
-                </a:solidFill>
-                <a:uFill>
-                  <a:solidFill>
-                    <a:srgbClr val="FFFFFF"/>
-                  </a:solidFill>
-                </a:uFill>
-                <a:latin typeface="Century Gothic"/>
-              </a:rPr>
-              <a:t>on demand. </a:t>
-            </a:r>
-            <a:endParaRPr lang="en-US" sz="2400" spc="-1" dirty="0">
-              <a:solidFill>
-                <a:srgbClr val="FFFFFF"/>
-              </a:solidFill>
-              <a:uFill>
-                <a:solidFill>
-                  <a:srgbClr val="FFFFFF"/>
-                </a:solidFill>
-              </a:uFill>
+            <a:endParaRPr lang="en-US" sz="4000" b="1" strike="noStrike" spc="-1" dirty="0">
+              <a:solidFill>
+                <a:srgbClr val="FEFEFE"/>
+              </a:solidFill>
               <a:latin typeface="Century Gothic"/>
             </a:endParaRPr>
           </a:p>
-          <a:p>
-            <a:pPr marL="342900" indent="-342265">
-              <a:lnSpc>
-                <a:spcPct val="100000"/>
-              </a:lnSpc>
-              <a:buClr>
-                <a:srgbClr val="3494BA"/>
-              </a:buClr>
-              <a:buFont typeface="Wingdings 2" charset="2"/>
-              <a:buChar char=""/>
-            </a:pPr>
-            <a:endParaRPr lang="en-US" sz="2400" spc="-1" dirty="0" smtClean="0">
-              <a:solidFill>
-                <a:srgbClr val="FFFFFF"/>
-              </a:solidFill>
-              <a:uFill>
-                <a:solidFill>
-                  <a:srgbClr val="FFFFFF"/>
-                </a:solidFill>
-              </a:uFill>
-              <a:latin typeface="Century Gothic"/>
-            </a:endParaRPr>
-          </a:p>
-          <a:p>
-            <a:pPr marL="342900" indent="-342265">
-              <a:lnSpc>
-                <a:spcPct val="100000"/>
-              </a:lnSpc>
-              <a:buClr>
-                <a:srgbClr val="3494BA"/>
-              </a:buClr>
-              <a:buFont typeface="Wingdings 2" charset="2"/>
-              <a:buChar char=""/>
-            </a:pPr>
-            <a:r>
-              <a:rPr lang="en-US" sz="2400" spc="-1" dirty="0" err="1" smtClean="0">
-                <a:solidFill>
-                  <a:srgbClr val="FFFFFF"/>
-                </a:solidFill>
-                <a:uFill>
-                  <a:solidFill>
-                    <a:srgbClr val="FFFFFF"/>
-                  </a:solidFill>
-                </a:uFill>
-                <a:latin typeface="Century Gothic"/>
-              </a:rPr>
-              <a:t>IOverlayFramesProvider</a:t>
-            </a:r>
-            <a:r>
-              <a:rPr lang="en-US" sz="2400" spc="-1" dirty="0" smtClean="0">
-                <a:solidFill>
-                  <a:srgbClr val="FFFFFF"/>
-                </a:solidFill>
-                <a:uFill>
-                  <a:solidFill>
-                    <a:srgbClr val="FFFFFF"/>
-                  </a:solidFill>
-                </a:uFill>
-                <a:latin typeface="Century Gothic"/>
-              </a:rPr>
-              <a:t> </a:t>
-            </a:r>
-            <a:r>
-              <a:rPr lang="en-US" sz="2400" spc="-1" dirty="0">
-                <a:solidFill>
-                  <a:srgbClr val="FFFFFF"/>
-                </a:solidFill>
-                <a:uFill>
-                  <a:solidFill>
-                    <a:srgbClr val="FFFFFF"/>
-                  </a:solidFill>
-                </a:uFill>
-                <a:latin typeface="Century Gothic"/>
-              </a:rPr>
-              <a:t>service </a:t>
-            </a:r>
-            <a:r>
-              <a:rPr lang="en-US" sz="2400" spc="-1" dirty="0" smtClean="0">
-                <a:solidFill>
-                  <a:srgbClr val="FFFFFF"/>
-                </a:solidFill>
-                <a:uFill>
-                  <a:solidFill>
-                    <a:srgbClr val="FFFFFF"/>
-                  </a:solidFill>
-                </a:uFill>
-                <a:latin typeface="Century Gothic"/>
-              </a:rPr>
-              <a:t>will notify the subscribers about arrived and existing frames. </a:t>
-            </a:r>
-          </a:p>
-        </p:txBody>
-      </p:sp>
+        </p:txBody>
+      </p:sp>
+      <p:pic>
+        <p:nvPicPr>
+          <p:cNvPr id="2" name="Picture 1"/>
+          <p:cNvPicPr>
+            <a:picLocks noChangeAspect="1"/>
+          </p:cNvPicPr>
+          <p:nvPr/>
+        </p:nvPicPr>
+        <p:blipFill>
+          <a:blip r:embed="rId3"/>
+          <a:stretch>
+            <a:fillRect/>
+          </a:stretch>
+        </p:blipFill>
+        <p:spPr>
+          <a:xfrm>
+            <a:off x="3126045" y="1970915"/>
+            <a:ext cx="6060158" cy="4805223"/>
+          </a:xfrm>
+          <a:prstGeom prst="rect">
+            <a:avLst/>
+          </a:prstGeom>
+        </p:spPr>
+      </p:pic>
     </p:spTree>
     <p:extLst>
       <p:ext uri="{BB962C8B-B14F-4D97-AF65-F5344CB8AC3E}">
-        <p14:creationId xmlns:p14="http://schemas.microsoft.com/office/powerpoint/2010/main" val="3782899968"/>
+        <p14:creationId xmlns:p14="http://schemas.microsoft.com/office/powerpoint/2010/main" val="1893917252"/>
       </p:ext>
     </p:extLst>
   </p:cSld>
@@ -16686,14 +16185,14 @@
       </p:grpSpPr>
       <p:sp>
         <p:nvSpPr>
-          <p:cNvPr id="209" name="TextShape 1"/>
+          <p:cNvPr id="221" name="TextShape 1"/>
           <p:cNvSpPr txBox="1"/>
           <p:nvPr/>
         </p:nvSpPr>
         <p:spPr>
           <a:xfrm>
-            <a:off x="1357200" y="2436120"/>
-            <a:ext cx="4382280" cy="2007360"/>
+            <a:off x="810000" y="447120"/>
+            <a:ext cx="10571760" cy="970200"/>
           </a:xfrm>
           <a:prstGeom prst="rect">
             <a:avLst/>
@@ -16707,137 +16206,6 @@
           <a:bodyPr anchor="b"/>
           <a:lstStyle/>
           <a:p>
-            <a:pPr>
-              <a:lnSpc>
-                <a:spcPct val="100000"/>
-              </a:lnSpc>
-            </a:pPr>
-            <a:r>
-              <a:rPr lang="en-US" sz="3200" b="1" strike="noStrike" spc="-1">
-                <a:solidFill>
-                  <a:srgbClr val="FEFEFE"/>
-                </a:solidFill>
-                <a:uFill>
-                  <a:solidFill>
-                    <a:srgbClr val="FFFFFF"/>
-                  </a:solidFill>
-                </a:uFill>
-                <a:latin typeface="Century Gothic"/>
-              </a:rPr>
-              <a:t>Architecture</a:t>
-            </a:r>
-            <a:endParaRPr lang="en-US" sz="1800" b="0" strike="noStrike" spc="-1">
-              <a:solidFill>
-                <a:srgbClr val="FFFFFF"/>
-              </a:solidFill>
-              <a:uFill>
-                <a:solidFill>
-                  <a:srgbClr val="FFFFFF"/>
-                </a:solidFill>
-              </a:uFill>
-              <a:latin typeface="Century Gothic"/>
-            </a:endParaRPr>
-          </a:p>
-        </p:txBody>
-      </p:sp>
-      <p:pic>
-        <p:nvPicPr>
-          <p:cNvPr id="210" name="Picture 2"/>
-          <p:cNvPicPr/>
-          <p:nvPr/>
-        </p:nvPicPr>
-        <p:blipFill>
-          <a:blip r:embed="rId2"/>
-          <a:stretch/>
-        </p:blipFill>
-        <p:spPr>
-          <a:xfrm>
-            <a:off x="6212520" y="2498040"/>
-            <a:ext cx="4823280" cy="1871280"/>
-          </a:xfrm>
-          <a:prstGeom prst="rect">
-            <a:avLst/>
-          </a:prstGeom>
-          <a:ln>
-            <a:noFill/>
-          </a:ln>
-        </p:spPr>
-      </p:pic>
-    </p:spTree>
-  </p:cSld>
-  <p:clrMapOvr>
-    <a:masterClrMapping/>
-  </p:clrMapOvr>
-  <p:timing>
-    <p:tnLst>
-      <p:par>
-        <p:cTn id="1" dur="indefinite" restart="never" nodeType="tmRoot">
-          <p:childTnLst>
-            <p:seq>
-              <p:cTn id="2" nodeType="mainSeq"/>
-              <p:prevCondLst>
-                <p:cond evt="onPrev" delay="0">
-                  <p:tgtEl>
-                    <p:sldTgt/>
-                  </p:tgtEl>
-                </p:cond>
-              </p:prevCondLst>
-              <p:nextCondLst>
-                <p:cond evt="onNext" delay="0">
-                  <p:tgtEl>
-                    <p:sldTgt/>
-                  </p:tgtEl>
-                </p:cond>
-              </p:nextCondLst>
-            </p:seq>
-          </p:childTnLst>
-        </p:cTn>
-      </p:par>
-    </p:tnLst>
-  </p:timing>
-</p:sld>
-</file>
-
-<file path=ppt/slides/slide6.xml><?xml version="1.0" encoding="utf-8"?>
-<p:sld xmlns:a="http://schemas.openxmlformats.org/drawingml/2006/main" xmlns:r="http://schemas.openxmlformats.org/officeDocument/2006/relationships" xmlns:p="http://schemas.openxmlformats.org/presentationml/2006/main">
-  <p:cSld>
-    <p:spTree>
-      <p:nvGrpSpPr>
-        <p:cNvPr id="1" name=""/>
-        <p:cNvGrpSpPr/>
-        <p:nvPr/>
-      </p:nvGrpSpPr>
-      <p:grpSpPr>
-        <a:xfrm>
-          <a:off x="0" y="0"/>
-          <a:ext cx="0" cy="0"/>
-          <a:chOff x="0" y="0"/>
-          <a:chExt cx="0" cy="0"/>
-        </a:xfrm>
-      </p:grpSpPr>
-      <p:sp>
-        <p:nvSpPr>
-          <p:cNvPr id="221" name="TextShape 1"/>
-          <p:cNvSpPr txBox="1"/>
-          <p:nvPr/>
-        </p:nvSpPr>
-        <p:spPr>
-          <a:xfrm>
-            <a:off x="810000" y="447120"/>
-            <a:ext cx="10571760" cy="970200"/>
-          </a:xfrm>
-          <a:prstGeom prst="rect">
-            <a:avLst/>
-          </a:prstGeom>
-          <a:noFill/>
-          <a:ln>
-            <a:noFill/>
-          </a:ln>
-        </p:spPr>
-        <p:txBody>
-          <a:bodyPr anchor="b"/>
-          <a:lstStyle/>
-          <a:p>
             <a:endParaRPr lang="en-US" sz="1800" b="0" strike="noStrike" spc="-1">
               <a:solidFill>
                 <a:srgbClr val="FFFFFF"/>
@@ -16857,192 +16225,7 @@
           <p:cNvPr id="7" name="TextShape 1">
             <a:extLst>
               <a:ext uri="{FF2B5EF4-FFF2-40B4-BE49-F238E27FC236}">
-                <a16:creationId xmlns="" xmlns:a16="http://schemas.microsoft.com/office/drawing/2014/main" id="{16E8E58B-F695-4079-B50C-1804AFA5D52B}"/>
-              </a:ext>
-            </a:extLst>
-          </p:cNvPr>
-          <p:cNvSpPr txBox="1"/>
-          <p:nvPr/>
-        </p:nvSpPr>
-        <p:spPr>
-          <a:xfrm>
-            <a:off x="174488" y="248960"/>
-            <a:ext cx="11284068" cy="1366520"/>
-          </a:xfrm>
-          <a:prstGeom prst="rect">
-            <a:avLst/>
-          </a:prstGeom>
-          <a:noFill/>
-          <a:ln>
-            <a:noFill/>
-          </a:ln>
-        </p:spPr>
-        <p:txBody>
-          <a:bodyPr anchor="ctr"/>
-          <a:lstStyle/>
-          <a:p>
-            <a:r>
-              <a:rPr lang="en-US" sz="4000" b="1" spc="-1" dirty="0" smtClean="0">
-                <a:solidFill>
-                  <a:srgbClr val="FEFEFE"/>
-                </a:solidFill>
-                <a:latin typeface="Century Gothic"/>
-              </a:rPr>
-              <a:t>Organization Personnel Managing </a:t>
-            </a:r>
-          </a:p>
-          <a:p>
-            <a:r>
-              <a:rPr lang="en-US" sz="4000" b="1" spc="-1" dirty="0" smtClean="0">
-                <a:solidFill>
-                  <a:srgbClr val="FEFEFE"/>
-                </a:solidFill>
-                <a:latin typeface="Century Gothic"/>
-              </a:rPr>
-              <a:t>Sequence </a:t>
-            </a:r>
-            <a:r>
-              <a:rPr lang="en-US" sz="4000" b="1" spc="-1" dirty="0" smtClean="0">
-                <a:solidFill>
-                  <a:srgbClr val="FEFEFE"/>
-                </a:solidFill>
-                <a:latin typeface="Century Gothic"/>
-              </a:rPr>
-              <a:t>Diagram</a:t>
-            </a:r>
-            <a:endParaRPr lang="en-US" sz="4000" b="1" strike="noStrike" spc="-1" dirty="0">
-              <a:solidFill>
-                <a:srgbClr val="FEFEFE"/>
-              </a:solidFill>
-              <a:latin typeface="Century Gothic"/>
-            </a:endParaRPr>
-          </a:p>
-        </p:txBody>
-      </p:sp>
-      <p:pic>
-        <p:nvPicPr>
-          <p:cNvPr id="2" name="Picture 1"/>
-          <p:cNvPicPr>
-            <a:picLocks noChangeAspect="1"/>
-          </p:cNvPicPr>
-          <p:nvPr/>
-        </p:nvPicPr>
-        <p:blipFill>
-          <a:blip r:embed="rId3"/>
-          <a:stretch>
-            <a:fillRect/>
-          </a:stretch>
-        </p:blipFill>
-        <p:spPr>
-          <a:xfrm>
-            <a:off x="3126045" y="1970915"/>
-            <a:ext cx="6060158" cy="4805223"/>
-          </a:xfrm>
-          <a:prstGeom prst="rect">
-            <a:avLst/>
-          </a:prstGeom>
-        </p:spPr>
-      </p:pic>
-    </p:spTree>
-    <p:extLst>
-      <p:ext uri="{BB962C8B-B14F-4D97-AF65-F5344CB8AC3E}">
-        <p14:creationId xmlns:p14="http://schemas.microsoft.com/office/powerpoint/2010/main" val="1893917252"/>
-      </p:ext>
-    </p:extLst>
-  </p:cSld>
-  <p:clrMapOvr>
-    <a:masterClrMapping/>
-  </p:clrMapOvr>
-  <p:timing>
-    <p:tnLst>
-      <p:par>
-        <p:cTn id="1" dur="indefinite" restart="never" nodeType="tmRoot">
-          <p:childTnLst>
-            <p:seq>
-              <p:cTn id="2" nodeType="mainSeq"/>
-              <p:prevCondLst>
-                <p:cond evt="onPrev" delay="0">
-                  <p:tgtEl>
-                    <p:sldTgt/>
-                  </p:tgtEl>
-                </p:cond>
-              </p:prevCondLst>
-              <p:nextCondLst>
-                <p:cond evt="onNext" delay="0">
-                  <p:tgtEl>
-                    <p:sldTgt/>
-                  </p:tgtEl>
-                </p:cond>
-              </p:nextCondLst>
-            </p:seq>
-          </p:childTnLst>
-        </p:cTn>
-      </p:par>
-    </p:tnLst>
-  </p:timing>
-</p:sld>
-</file>
-
-<file path=ppt/slides/slide7.xml><?xml version="1.0" encoding="utf-8"?>
-<p:sld xmlns:a="http://schemas.openxmlformats.org/drawingml/2006/main" xmlns:r="http://schemas.openxmlformats.org/officeDocument/2006/relationships" xmlns:p="http://schemas.openxmlformats.org/presentationml/2006/main">
-  <p:cSld>
-    <p:spTree>
-      <p:nvGrpSpPr>
-        <p:cNvPr id="1" name=""/>
-        <p:cNvGrpSpPr/>
-        <p:nvPr/>
-      </p:nvGrpSpPr>
-      <p:grpSpPr>
-        <a:xfrm>
-          <a:off x="0" y="0"/>
-          <a:ext cx="0" cy="0"/>
-          <a:chOff x="0" y="0"/>
-          <a:chExt cx="0" cy="0"/>
-        </a:xfrm>
-      </p:grpSpPr>
-      <p:sp>
-        <p:nvSpPr>
-          <p:cNvPr id="221" name="TextShape 1"/>
-          <p:cNvSpPr txBox="1"/>
-          <p:nvPr/>
-        </p:nvSpPr>
-        <p:spPr>
-          <a:xfrm>
-            <a:off x="810000" y="447120"/>
-            <a:ext cx="10571760" cy="970200"/>
-          </a:xfrm>
-          <a:prstGeom prst="rect">
-            <a:avLst/>
-          </a:prstGeom>
-          <a:noFill/>
-          <a:ln>
-            <a:noFill/>
-          </a:ln>
-        </p:spPr>
-        <p:txBody>
-          <a:bodyPr anchor="b"/>
-          <a:lstStyle/>
-          <a:p>
-            <a:endParaRPr lang="en-US" sz="1800" b="0" strike="noStrike" spc="-1">
-              <a:solidFill>
-                <a:srgbClr val="FFFFFF"/>
-              </a:solidFill>
-              <a:uFill>
-                <a:solidFill>
-                  <a:srgbClr val="FFFFFF"/>
-                </a:solidFill>
-              </a:uFill>
-              <a:latin typeface="Century Gothic"/>
-            </a:endParaRPr>
-          </a:p>
-        </p:txBody>
-      </p:sp>
-      <p:sp>
-        <p:nvSpPr>
-          <p:cNvPr id="7" name="TextShape 1">
-            <a:extLst>
-              <a:ext uri="{FF2B5EF4-FFF2-40B4-BE49-F238E27FC236}">
-                <a16:creationId xmlns="" xmlns:a16="http://schemas.microsoft.com/office/drawing/2014/main" id="{16E8E58B-F695-4079-B50C-1804AFA5D52B}"/>
+                <a16:creationId xmlns:a16="http://schemas.microsoft.com/office/drawing/2014/main" xmlns="" id="{16E8E58B-F695-4079-B50C-1804AFA5D52B}"/>
               </a:ext>
             </a:extLst>
           </p:cNvPr>
